--- a/gambar/background.pptx
+++ b/gambar/background.pptx
@@ -2929,8 +2929,8 @@
         </p:nvGrpSpPr>
         <p:grpSpPr>
           <a:xfrm>
-            <a:off x="9283065" y="949325"/>
-            <a:ext cx="1366520" cy="1365250"/>
+            <a:off x="9353550" y="1292225"/>
+            <a:ext cx="866140" cy="864870"/>
             <a:chOff x="2422" y="1639"/>
             <a:chExt cx="2152" cy="2150"/>
           </a:xfrm>
